--- a/Report.pptx
+++ b/Report.pptx
@@ -17,6 +17,7 @@
     <p:sldId id="262" r:id="rId14"/>
     <p:sldId id="263" r:id="rId15"/>
     <p:sldId id="264" r:id="rId16"/>
+    <p:sldId id="265" r:id="rId17"/>
   </p:sldIdLst>
   <p:sldSz cx="24384000" cy="13716000"/>
   <p:notesSz cx="6858000" cy="9144000"/>
@@ -71,9 +72,9 @@
         </a:solidFill>
         <a:effectLst/>
         <a:uFillTx/>
-        <a:latin typeface="+mn-lt"/>
-        <a:ea typeface="+mn-ea"/>
-        <a:cs typeface="+mn-cs"/>
+        <a:latin typeface="+mj-lt"/>
+        <a:ea typeface="+mj-ea"/>
+        <a:cs typeface="+mj-cs"/>
         <a:sym typeface="Helvetica Neue"/>
       </a:defRPr>
     </a:lvl1pPr>
@@ -101,9 +102,9 @@
         </a:solidFill>
         <a:effectLst/>
         <a:uFillTx/>
-        <a:latin typeface="+mn-lt"/>
-        <a:ea typeface="+mn-ea"/>
-        <a:cs typeface="+mn-cs"/>
+        <a:latin typeface="+mj-lt"/>
+        <a:ea typeface="+mj-ea"/>
+        <a:cs typeface="+mj-cs"/>
         <a:sym typeface="Helvetica Neue"/>
       </a:defRPr>
     </a:lvl2pPr>
@@ -131,9 +132,9 @@
         </a:solidFill>
         <a:effectLst/>
         <a:uFillTx/>
-        <a:latin typeface="+mn-lt"/>
-        <a:ea typeface="+mn-ea"/>
-        <a:cs typeface="+mn-cs"/>
+        <a:latin typeface="+mj-lt"/>
+        <a:ea typeface="+mj-ea"/>
+        <a:cs typeface="+mj-cs"/>
         <a:sym typeface="Helvetica Neue"/>
       </a:defRPr>
     </a:lvl3pPr>
@@ -161,9 +162,9 @@
         </a:solidFill>
         <a:effectLst/>
         <a:uFillTx/>
-        <a:latin typeface="+mn-lt"/>
-        <a:ea typeface="+mn-ea"/>
-        <a:cs typeface="+mn-cs"/>
+        <a:latin typeface="+mj-lt"/>
+        <a:ea typeface="+mj-ea"/>
+        <a:cs typeface="+mj-cs"/>
         <a:sym typeface="Helvetica Neue"/>
       </a:defRPr>
     </a:lvl4pPr>
@@ -191,9 +192,9 @@
         </a:solidFill>
         <a:effectLst/>
         <a:uFillTx/>
-        <a:latin typeface="+mn-lt"/>
-        <a:ea typeface="+mn-ea"/>
-        <a:cs typeface="+mn-cs"/>
+        <a:latin typeface="+mj-lt"/>
+        <a:ea typeface="+mj-ea"/>
+        <a:cs typeface="+mj-cs"/>
         <a:sym typeface="Helvetica Neue"/>
       </a:defRPr>
     </a:lvl5pPr>
@@ -221,9 +222,9 @@
         </a:solidFill>
         <a:effectLst/>
         <a:uFillTx/>
-        <a:latin typeface="+mn-lt"/>
-        <a:ea typeface="+mn-ea"/>
-        <a:cs typeface="+mn-cs"/>
+        <a:latin typeface="+mj-lt"/>
+        <a:ea typeface="+mj-ea"/>
+        <a:cs typeface="+mj-cs"/>
         <a:sym typeface="Helvetica Neue"/>
       </a:defRPr>
     </a:lvl6pPr>
@@ -251,9 +252,9 @@
         </a:solidFill>
         <a:effectLst/>
         <a:uFillTx/>
-        <a:latin typeface="+mn-lt"/>
-        <a:ea typeface="+mn-ea"/>
-        <a:cs typeface="+mn-cs"/>
+        <a:latin typeface="+mj-lt"/>
+        <a:ea typeface="+mj-ea"/>
+        <a:cs typeface="+mj-cs"/>
         <a:sym typeface="Helvetica Neue"/>
       </a:defRPr>
     </a:lvl7pPr>
@@ -281,9 +282,9 @@
         </a:solidFill>
         <a:effectLst/>
         <a:uFillTx/>
-        <a:latin typeface="+mn-lt"/>
-        <a:ea typeface="+mn-ea"/>
-        <a:cs typeface="+mn-cs"/>
+        <a:latin typeface="+mj-lt"/>
+        <a:ea typeface="+mj-ea"/>
+        <a:cs typeface="+mj-cs"/>
         <a:sym typeface="Helvetica Neue"/>
       </a:defRPr>
     </a:lvl8pPr>
@@ -311,9 +312,9 @@
         </a:solidFill>
         <a:effectLst/>
         <a:uFillTx/>
-        <a:latin typeface="+mn-lt"/>
-        <a:ea typeface="+mn-ea"/>
-        <a:cs typeface="+mn-cs"/>
+        <a:latin typeface="+mj-lt"/>
+        <a:ea typeface="+mj-ea"/>
+        <a:cs typeface="+mj-cs"/>
         <a:sym typeface="Helvetica Neue"/>
       </a:defRPr>
     </a:lvl9pPr>
@@ -401,9 +402,9 @@
         <a:spcPct val="117999"/>
       </a:lnSpc>
       <a:defRPr sz="2200">
-        <a:latin typeface="+mn-lt"/>
-        <a:ea typeface="+mn-ea"/>
-        <a:cs typeface="+mn-cs"/>
+        <a:latin typeface="+mj-lt"/>
+        <a:ea typeface="+mj-ea"/>
+        <a:cs typeface="+mj-cs"/>
         <a:sym typeface="Helvetica Neue"/>
       </a:defRPr>
     </a:lvl1pPr>
@@ -412,9 +413,9 @@
         <a:spcPct val="117999"/>
       </a:lnSpc>
       <a:defRPr sz="2200">
-        <a:latin typeface="+mn-lt"/>
-        <a:ea typeface="+mn-ea"/>
-        <a:cs typeface="+mn-cs"/>
+        <a:latin typeface="+mj-lt"/>
+        <a:ea typeface="+mj-ea"/>
+        <a:cs typeface="+mj-cs"/>
         <a:sym typeface="Helvetica Neue"/>
       </a:defRPr>
     </a:lvl2pPr>
@@ -423,9 +424,9 @@
         <a:spcPct val="117999"/>
       </a:lnSpc>
       <a:defRPr sz="2200">
-        <a:latin typeface="+mn-lt"/>
-        <a:ea typeface="+mn-ea"/>
-        <a:cs typeface="+mn-cs"/>
+        <a:latin typeface="+mj-lt"/>
+        <a:ea typeface="+mj-ea"/>
+        <a:cs typeface="+mj-cs"/>
         <a:sym typeface="Helvetica Neue"/>
       </a:defRPr>
     </a:lvl3pPr>
@@ -434,9 +435,9 @@
         <a:spcPct val="117999"/>
       </a:lnSpc>
       <a:defRPr sz="2200">
-        <a:latin typeface="+mn-lt"/>
-        <a:ea typeface="+mn-ea"/>
-        <a:cs typeface="+mn-cs"/>
+        <a:latin typeface="+mj-lt"/>
+        <a:ea typeface="+mj-ea"/>
+        <a:cs typeface="+mj-cs"/>
         <a:sym typeface="Helvetica Neue"/>
       </a:defRPr>
     </a:lvl4pPr>
@@ -445,9 +446,9 @@
         <a:spcPct val="117999"/>
       </a:lnSpc>
       <a:defRPr sz="2200">
-        <a:latin typeface="+mn-lt"/>
-        <a:ea typeface="+mn-ea"/>
-        <a:cs typeface="+mn-cs"/>
+        <a:latin typeface="+mj-lt"/>
+        <a:ea typeface="+mj-ea"/>
+        <a:cs typeface="+mj-cs"/>
         <a:sym typeface="Helvetica Neue"/>
       </a:defRPr>
     </a:lvl5pPr>
@@ -456,9 +457,9 @@
         <a:spcPct val="117999"/>
       </a:lnSpc>
       <a:defRPr sz="2200">
-        <a:latin typeface="+mn-lt"/>
-        <a:ea typeface="+mn-ea"/>
-        <a:cs typeface="+mn-cs"/>
+        <a:latin typeface="+mj-lt"/>
+        <a:ea typeface="+mj-ea"/>
+        <a:cs typeface="+mj-cs"/>
         <a:sym typeface="Helvetica Neue"/>
       </a:defRPr>
     </a:lvl6pPr>
@@ -467,9 +468,9 @@
         <a:spcPct val="117999"/>
       </a:lnSpc>
       <a:defRPr sz="2200">
-        <a:latin typeface="+mn-lt"/>
-        <a:ea typeface="+mn-ea"/>
-        <a:cs typeface="+mn-cs"/>
+        <a:latin typeface="+mj-lt"/>
+        <a:ea typeface="+mj-ea"/>
+        <a:cs typeface="+mj-cs"/>
         <a:sym typeface="Helvetica Neue"/>
       </a:defRPr>
     </a:lvl7pPr>
@@ -478,9 +479,9 @@
         <a:spcPct val="117999"/>
       </a:lnSpc>
       <a:defRPr sz="2200">
-        <a:latin typeface="+mn-lt"/>
-        <a:ea typeface="+mn-ea"/>
-        <a:cs typeface="+mn-cs"/>
+        <a:latin typeface="+mj-lt"/>
+        <a:ea typeface="+mj-ea"/>
+        <a:cs typeface="+mj-cs"/>
         <a:sym typeface="Helvetica Neue"/>
       </a:defRPr>
     </a:lvl8pPr>
@@ -489,9 +490,9 @@
         <a:spcPct val="117999"/>
       </a:lnSpc>
       <a:defRPr sz="2200">
-        <a:latin typeface="+mn-lt"/>
-        <a:ea typeface="+mn-ea"/>
-        <a:cs typeface="+mn-cs"/>
+        <a:latin typeface="+mj-lt"/>
+        <a:ea typeface="+mj-ea"/>
+        <a:cs typeface="+mj-cs"/>
         <a:sym typeface="Helvetica Neue"/>
       </a:defRPr>
     </a:lvl9pPr>
@@ -527,7 +528,7 @@
         <p:spPr>
           <a:xfrm>
             <a:off x="1201340" y="11859862"/>
-            <a:ext cx="21971004" cy="636980"/>
+            <a:ext cx="21971005" cy="636981"/>
           </a:xfrm>
           <a:prstGeom prst="rect">
             <a:avLst/>
@@ -627,7 +628,7 @@
         <p:spPr>
           <a:xfrm>
             <a:off x="1206496" y="2574991"/>
-            <a:ext cx="21971005" cy="4648202"/>
+            <a:ext cx="21971005" cy="4648203"/>
           </a:xfrm>
           <a:prstGeom prst="rect">
             <a:avLst/>
@@ -659,7 +660,7 @@
         <p:spPr>
           <a:xfrm>
             <a:off x="1201342" y="7223190"/>
-            <a:ext cx="21971002" cy="1905002"/>
+            <a:ext cx="21971002" cy="1905003"/>
           </a:xfrm>
           <a:prstGeom prst="rect">
             <a:avLst/>
@@ -927,8 +928,8 @@
         </p:nvSpPr>
         <p:spPr>
           <a:xfrm>
-            <a:off x="1206500" y="1075926"/>
-            <a:ext cx="21971000" cy="7241586"/>
+            <a:off x="1206500" y="1075925"/>
+            <a:ext cx="21971000" cy="7241587"/>
           </a:xfrm>
           <a:prstGeom prst="rect">
             <a:avLst/>
@@ -1123,8 +1124,8 @@
         </p:nvSpPr>
         <p:spPr>
           <a:xfrm>
-            <a:off x="2430024" y="10675453"/>
-            <a:ext cx="20200054" cy="636980"/>
+            <a:off x="2430023" y="10675453"/>
+            <a:ext cx="20200055" cy="636981"/>
           </a:xfrm>
           <a:prstGeom prst="rect">
             <a:avLst/>
@@ -1224,7 +1225,7 @@
         <p:spPr>
           <a:xfrm>
             <a:off x="1753923" y="4939860"/>
-            <a:ext cx="20876154" cy="3836281"/>
+            <a:ext cx="20876154" cy="3836282"/>
           </a:xfrm>
           <a:prstGeom prst="rect">
             <a:avLst/>
@@ -1233,7 +1234,7 @@
         <p:txBody>
           <a:bodyPr numCol="1" spcCol="38100"/>
           <a:lstStyle>
-            <a:lvl1pPr marL="469900" indent="-300876">
+            <a:lvl1pPr marL="300875" indent="-131851">
               <a:spcBef>
                 <a:spcPts val="0"/>
               </a:spcBef>
@@ -1368,7 +1369,7 @@
         <p:spPr>
           <a:xfrm>
             <a:off x="-124636" y="1270000"/>
-            <a:ext cx="16840170" cy="11243713"/>
+            <a:ext cx="16840171" cy="11243713"/>
           </a:xfrm>
           <a:prstGeom prst="rect">
             <a:avLst/>
@@ -1647,7 +1648,7 @@
         <p:spPr>
           <a:xfrm>
             <a:off x="1207690" y="1106137"/>
-            <a:ext cx="21968621" cy="636980"/>
+            <a:ext cx="21968621" cy="636981"/>
           </a:xfrm>
           <a:prstGeom prst="rect">
             <a:avLst/>
@@ -1747,7 +1748,7 @@
         <p:spPr>
           <a:xfrm>
             <a:off x="1206500" y="11609909"/>
-            <a:ext cx="21971000" cy="1116953"/>
+            <a:ext cx="21971000" cy="1116954"/>
           </a:xfrm>
           <a:prstGeom prst="rect">
             <a:avLst/>
@@ -1997,8 +1998,8 @@
         </p:nvSpPr>
         <p:spPr>
           <a:xfrm>
-            <a:off x="12001499" y="13085233"/>
-            <a:ext cx="368505" cy="374600"/>
+            <a:off x="12001500" y="13085233"/>
+            <a:ext cx="368504" cy="374600"/>
           </a:xfrm>
           <a:prstGeom prst="rect">
             <a:avLst/>
@@ -2077,8 +2078,8 @@
         </p:nvSpPr>
         <p:spPr>
           <a:xfrm>
-            <a:off x="1206500" y="2372961"/>
-            <a:ext cx="21971000" cy="934781"/>
+            <a:off x="1206500" y="2372960"/>
+            <a:ext cx="21971000" cy="934782"/>
           </a:xfrm>
           <a:prstGeom prst="rect">
             <a:avLst/>
@@ -2176,6 +2177,10 @@
           </p:nvPr>
         </p:nvSpPr>
         <p:spPr>
+          <a:xfrm>
+            <a:off x="1206500" y="4248503"/>
+            <a:ext cx="21971000" cy="8256015"/>
+          </a:xfrm>
           <a:prstGeom prst="rect">
             <a:avLst/>
           </a:prstGeom>
@@ -2345,8 +2350,8 @@
         </p:nvSpPr>
         <p:spPr>
           <a:xfrm>
-            <a:off x="1206500" y="2372961"/>
-            <a:ext cx="9779000" cy="934781"/>
+            <a:off x="1206500" y="2372960"/>
+            <a:ext cx="9779000" cy="934782"/>
           </a:xfrm>
           <a:prstGeom prst="rect">
             <a:avLst/>
@@ -2446,7 +2451,7 @@
         <p:spPr>
           <a:xfrm>
             <a:off x="1206500" y="4248503"/>
-            <a:ext cx="9779000" cy="8256631"/>
+            <a:ext cx="9779000" cy="8256632"/>
           </a:xfrm>
           <a:prstGeom prst="rect">
             <a:avLst/>
@@ -2473,8 +2478,8 @@
         </p:nvSpPr>
         <p:spPr>
           <a:xfrm>
-            <a:off x="9271000" y="1263847"/>
-            <a:ext cx="16773843" cy="11188206"/>
+            <a:off x="9271000" y="1263846"/>
+            <a:ext cx="16773843" cy="11188208"/>
           </a:xfrm>
           <a:prstGeom prst="rect">
             <a:avLst/>
@@ -2613,8 +2618,8 @@
         </p:nvSpPr>
         <p:spPr>
           <a:xfrm>
-            <a:off x="12001499" y="13085233"/>
-            <a:ext cx="368505" cy="374600"/>
+            <a:off x="12001500" y="13085233"/>
+            <a:ext cx="368504" cy="374600"/>
           </a:xfrm>
           <a:prstGeom prst="rect">
             <a:avLst/>
@@ -2666,7 +2671,7 @@
         <p:spPr>
           <a:xfrm>
             <a:off x="1206500" y="1079500"/>
-            <a:ext cx="21971000" cy="1434950"/>
+            <a:ext cx="21971000" cy="1434951"/>
           </a:xfrm>
           <a:prstGeom prst="rect">
             <a:avLst/>
@@ -2693,8 +2698,8 @@
         </p:nvSpPr>
         <p:spPr>
           <a:xfrm>
-            <a:off x="1206500" y="2372961"/>
-            <a:ext cx="21971000" cy="934781"/>
+            <a:off x="1206500" y="2372960"/>
+            <a:ext cx="21971000" cy="934782"/>
           </a:xfrm>
           <a:prstGeom prst="rect">
             <a:avLst/>
@@ -2869,8 +2874,8 @@
         </p:nvSpPr>
         <p:spPr>
           <a:xfrm>
-            <a:off x="1206500" y="2372961"/>
-            <a:ext cx="21971000" cy="934781"/>
+            <a:off x="1206500" y="2372960"/>
+            <a:ext cx="21971000" cy="934782"/>
           </a:xfrm>
           <a:prstGeom prst="rect">
             <a:avLst/>
@@ -2968,6 +2973,10 @@
           </p:nvPr>
         </p:nvSpPr>
         <p:spPr>
+          <a:xfrm>
+            <a:off x="1206500" y="4248503"/>
+            <a:ext cx="21971000" cy="8256015"/>
+          </a:xfrm>
           <a:prstGeom prst="rect">
             <a:avLst/>
           </a:prstGeom>
@@ -3164,8 +3173,8 @@
         </p:nvSpPr>
         <p:spPr>
           <a:xfrm>
-            <a:off x="12001499" y="13080999"/>
-            <a:ext cx="368505" cy="374600"/>
+            <a:off x="12001500" y="13080999"/>
+            <a:ext cx="368504" cy="374600"/>
           </a:xfrm>
           <a:prstGeom prst="rect">
             <a:avLst/>
@@ -3236,9 +3245,9 @@
             <a:srgbClr val="000000"/>
           </a:solidFill>
           <a:uFillTx/>
-          <a:latin typeface="+mn-lt"/>
-          <a:ea typeface="+mn-ea"/>
-          <a:cs typeface="+mn-cs"/>
+          <a:latin typeface="+mj-lt"/>
+          <a:ea typeface="+mj-ea"/>
+          <a:cs typeface="+mj-cs"/>
           <a:sym typeface="Helvetica Neue"/>
         </a:defRPr>
       </a:lvl1pPr>
@@ -3262,9 +3271,9 @@
             <a:srgbClr val="000000"/>
           </a:solidFill>
           <a:uFillTx/>
-          <a:latin typeface="+mn-lt"/>
-          <a:ea typeface="+mn-ea"/>
-          <a:cs typeface="+mn-cs"/>
+          <a:latin typeface="+mj-lt"/>
+          <a:ea typeface="+mj-ea"/>
+          <a:cs typeface="+mj-cs"/>
           <a:sym typeface="Helvetica Neue"/>
         </a:defRPr>
       </a:lvl2pPr>
@@ -3288,9 +3297,9 @@
             <a:srgbClr val="000000"/>
           </a:solidFill>
           <a:uFillTx/>
-          <a:latin typeface="+mn-lt"/>
-          <a:ea typeface="+mn-ea"/>
-          <a:cs typeface="+mn-cs"/>
+          <a:latin typeface="+mj-lt"/>
+          <a:ea typeface="+mj-ea"/>
+          <a:cs typeface="+mj-cs"/>
           <a:sym typeface="Helvetica Neue"/>
         </a:defRPr>
       </a:lvl3pPr>
@@ -3314,9 +3323,9 @@
             <a:srgbClr val="000000"/>
           </a:solidFill>
           <a:uFillTx/>
-          <a:latin typeface="+mn-lt"/>
-          <a:ea typeface="+mn-ea"/>
-          <a:cs typeface="+mn-cs"/>
+          <a:latin typeface="+mj-lt"/>
+          <a:ea typeface="+mj-ea"/>
+          <a:cs typeface="+mj-cs"/>
           <a:sym typeface="Helvetica Neue"/>
         </a:defRPr>
       </a:lvl4pPr>
@@ -3340,9 +3349,9 @@
             <a:srgbClr val="000000"/>
           </a:solidFill>
           <a:uFillTx/>
-          <a:latin typeface="+mn-lt"/>
-          <a:ea typeface="+mn-ea"/>
-          <a:cs typeface="+mn-cs"/>
+          <a:latin typeface="+mj-lt"/>
+          <a:ea typeface="+mj-ea"/>
+          <a:cs typeface="+mj-cs"/>
           <a:sym typeface="Helvetica Neue"/>
         </a:defRPr>
       </a:lvl5pPr>
@@ -3366,9 +3375,9 @@
             <a:srgbClr val="000000"/>
           </a:solidFill>
           <a:uFillTx/>
-          <a:latin typeface="+mn-lt"/>
-          <a:ea typeface="+mn-ea"/>
-          <a:cs typeface="+mn-cs"/>
+          <a:latin typeface="+mj-lt"/>
+          <a:ea typeface="+mj-ea"/>
+          <a:cs typeface="+mj-cs"/>
           <a:sym typeface="Helvetica Neue"/>
         </a:defRPr>
       </a:lvl6pPr>
@@ -3392,9 +3401,9 @@
             <a:srgbClr val="000000"/>
           </a:solidFill>
           <a:uFillTx/>
-          <a:latin typeface="+mn-lt"/>
-          <a:ea typeface="+mn-ea"/>
-          <a:cs typeface="+mn-cs"/>
+          <a:latin typeface="+mj-lt"/>
+          <a:ea typeface="+mj-ea"/>
+          <a:cs typeface="+mj-cs"/>
           <a:sym typeface="Helvetica Neue"/>
         </a:defRPr>
       </a:lvl7pPr>
@@ -3418,9 +3427,9 @@
             <a:srgbClr val="000000"/>
           </a:solidFill>
           <a:uFillTx/>
-          <a:latin typeface="+mn-lt"/>
-          <a:ea typeface="+mn-ea"/>
-          <a:cs typeface="+mn-cs"/>
+          <a:latin typeface="+mj-lt"/>
+          <a:ea typeface="+mj-ea"/>
+          <a:cs typeface="+mj-cs"/>
           <a:sym typeface="Helvetica Neue"/>
         </a:defRPr>
       </a:lvl8pPr>
@@ -3444,9 +3453,9 @@
             <a:srgbClr val="000000"/>
           </a:solidFill>
           <a:uFillTx/>
-          <a:latin typeface="+mn-lt"/>
-          <a:ea typeface="+mn-ea"/>
-          <a:cs typeface="+mn-cs"/>
+          <a:latin typeface="+mj-lt"/>
+          <a:ea typeface="+mj-ea"/>
+          <a:cs typeface="+mj-cs"/>
           <a:sym typeface="Helvetica Neue"/>
         </a:defRPr>
       </a:lvl9pPr>
@@ -3472,9 +3481,9 @@
             <a:srgbClr val="000000"/>
           </a:solidFill>
           <a:uFillTx/>
-          <a:latin typeface="+mn-lt"/>
-          <a:ea typeface="+mn-ea"/>
-          <a:cs typeface="+mn-cs"/>
+          <a:latin typeface="+mj-lt"/>
+          <a:ea typeface="+mj-ea"/>
+          <a:cs typeface="+mj-cs"/>
           <a:sym typeface="Helvetica Neue"/>
         </a:defRPr>
       </a:lvl1pPr>
@@ -3498,9 +3507,9 @@
             <a:srgbClr val="000000"/>
           </a:solidFill>
           <a:uFillTx/>
-          <a:latin typeface="+mn-lt"/>
-          <a:ea typeface="+mn-ea"/>
-          <a:cs typeface="+mn-cs"/>
+          <a:latin typeface="+mj-lt"/>
+          <a:ea typeface="+mj-ea"/>
+          <a:cs typeface="+mj-cs"/>
           <a:sym typeface="Helvetica Neue"/>
         </a:defRPr>
       </a:lvl2pPr>
@@ -3524,9 +3533,9 @@
             <a:srgbClr val="000000"/>
           </a:solidFill>
           <a:uFillTx/>
-          <a:latin typeface="+mn-lt"/>
-          <a:ea typeface="+mn-ea"/>
-          <a:cs typeface="+mn-cs"/>
+          <a:latin typeface="+mj-lt"/>
+          <a:ea typeface="+mj-ea"/>
+          <a:cs typeface="+mj-cs"/>
           <a:sym typeface="Helvetica Neue"/>
         </a:defRPr>
       </a:lvl3pPr>
@@ -3550,9 +3559,9 @@
             <a:srgbClr val="000000"/>
           </a:solidFill>
           <a:uFillTx/>
-          <a:latin typeface="+mn-lt"/>
-          <a:ea typeface="+mn-ea"/>
-          <a:cs typeface="+mn-cs"/>
+          <a:latin typeface="+mj-lt"/>
+          <a:ea typeface="+mj-ea"/>
+          <a:cs typeface="+mj-cs"/>
           <a:sym typeface="Helvetica Neue"/>
         </a:defRPr>
       </a:lvl4pPr>
@@ -3576,9 +3585,9 @@
             <a:srgbClr val="000000"/>
           </a:solidFill>
           <a:uFillTx/>
-          <a:latin typeface="+mn-lt"/>
-          <a:ea typeface="+mn-ea"/>
-          <a:cs typeface="+mn-cs"/>
+          <a:latin typeface="+mj-lt"/>
+          <a:ea typeface="+mj-ea"/>
+          <a:cs typeface="+mj-cs"/>
           <a:sym typeface="Helvetica Neue"/>
         </a:defRPr>
       </a:lvl5pPr>
@@ -3602,9 +3611,9 @@
             <a:srgbClr val="000000"/>
           </a:solidFill>
           <a:uFillTx/>
-          <a:latin typeface="+mn-lt"/>
-          <a:ea typeface="+mn-ea"/>
-          <a:cs typeface="+mn-cs"/>
+          <a:latin typeface="+mj-lt"/>
+          <a:ea typeface="+mj-ea"/>
+          <a:cs typeface="+mj-cs"/>
           <a:sym typeface="Helvetica Neue"/>
         </a:defRPr>
       </a:lvl6pPr>
@@ -3628,9 +3637,9 @@
             <a:srgbClr val="000000"/>
           </a:solidFill>
           <a:uFillTx/>
-          <a:latin typeface="+mn-lt"/>
-          <a:ea typeface="+mn-ea"/>
-          <a:cs typeface="+mn-cs"/>
+          <a:latin typeface="+mj-lt"/>
+          <a:ea typeface="+mj-ea"/>
+          <a:cs typeface="+mj-cs"/>
           <a:sym typeface="Helvetica Neue"/>
         </a:defRPr>
       </a:lvl7pPr>
@@ -3654,9 +3663,9 @@
             <a:srgbClr val="000000"/>
           </a:solidFill>
           <a:uFillTx/>
-          <a:latin typeface="+mn-lt"/>
-          <a:ea typeface="+mn-ea"/>
-          <a:cs typeface="+mn-cs"/>
+          <a:latin typeface="+mj-lt"/>
+          <a:ea typeface="+mj-ea"/>
+          <a:cs typeface="+mj-cs"/>
           <a:sym typeface="Helvetica Neue"/>
         </a:defRPr>
       </a:lvl8pPr>
@@ -3680,9 +3689,9 @@
             <a:srgbClr val="000000"/>
           </a:solidFill>
           <a:uFillTx/>
-          <a:latin typeface="+mn-lt"/>
-          <a:ea typeface="+mn-ea"/>
-          <a:cs typeface="+mn-cs"/>
+          <a:latin typeface="+mj-lt"/>
+          <a:ea typeface="+mj-ea"/>
+          <a:cs typeface="+mj-cs"/>
           <a:sym typeface="Helvetica Neue"/>
         </a:defRPr>
       </a:lvl9pPr>
@@ -3955,7 +3964,7 @@
         <p:spPr>
           <a:xfrm>
             <a:off x="1201341" y="11859862"/>
-            <a:ext cx="21971002" cy="636980"/>
+            <a:ext cx="21971002" cy="636981"/>
           </a:xfrm>
           <a:prstGeom prst="rect">
             <a:avLst/>
@@ -3979,8 +3988,8 @@
         </p:nvSpPr>
         <p:spPr>
           <a:xfrm>
-            <a:off x="1206495" y="2574991"/>
-            <a:ext cx="21971006" cy="4648202"/>
+            <a:off x="1206494" y="2574991"/>
+            <a:ext cx="21971008" cy="4648203"/>
           </a:xfrm>
           <a:prstGeom prst="rect">
             <a:avLst/>
@@ -4010,7 +4019,7 @@
         <p:spPr>
           <a:xfrm>
             <a:off x="1201342" y="7223190"/>
-            <a:ext cx="21971002" cy="1905002"/>
+            <a:ext cx="21971002" cy="1905003"/>
           </a:xfrm>
           <a:prstGeom prst="rect">
             <a:avLst/>
@@ -4042,6 +4051,98 @@
             <a:r>
               <a:t>-Final Exam of ML2</a:t>
             </a:r>
+          </a:p>
+        </p:txBody>
+      </p:sp>
+    </p:spTree>
+  </p:cSld>
+  <p:clrMapOvr>
+    <a:masterClrMapping/>
+  </p:clrMapOvr>
+  <p:transition xmlns:p14="http://schemas.microsoft.com/office/powerpoint/2010/main" spd="med" advClick="1"/>
+</p:sld>
+</file>
+
+<file path=ppt/slides/slide10.xml><?xml version="1.0" encoding="utf-8"?>
+<p:sld xmlns:a="http://schemas.openxmlformats.org/drawingml/2006/main" xmlns:r="http://schemas.openxmlformats.org/officeDocument/2006/relationships" xmlns:p="http://schemas.openxmlformats.org/presentationml/2006/main" xmlns:m="http://schemas.openxmlformats.org/officeDocument/2006/math" xmlns:a14="http://schemas.microsoft.com/office/drawing/2010/main" showMasterSp="1" showMasterPhAnim="1">
+  <p:cSld>
+    <p:spTree>
+      <p:nvGrpSpPr>
+        <p:cNvPr id="1" name=""/>
+        <p:cNvGrpSpPr/>
+        <p:nvPr/>
+      </p:nvGrpSpPr>
+      <p:grpSpPr>
+        <a:xfrm>
+          <a:off x="0" y="0"/>
+          <a:ext cx="0" cy="0"/>
+          <a:chOff x="0" y="0"/>
+          <a:chExt cx="0" cy="0"/>
+        </a:xfrm>
+      </p:grpSpPr>
+      <p:sp>
+        <p:nvSpPr>
+          <p:cNvPr id="190" name="Pathologist Assistant"/>
+          <p:cNvSpPr txBox="1"/>
+          <p:nvPr>
+            <p:ph type="title"/>
+          </p:nvPr>
+        </p:nvSpPr>
+        <p:spPr>
+          <a:xfrm>
+            <a:off x="1206494" y="2574991"/>
+            <a:ext cx="21971008" cy="4648203"/>
+          </a:xfrm>
+          <a:prstGeom prst="rect">
+            <a:avLst/>
+          </a:prstGeom>
+        </p:spPr>
+        <p:txBody>
+          <a:bodyPr/>
+          <a:lstStyle>
+            <a:lvl1pPr algn="ctr">
+              <a:defRPr spc="-300"/>
+            </a:lvl1pPr>
+          </a:lstStyle>
+          <a:p>
+            <a:pPr/>
+            <a:r>
+              <a:t>Thanks!</a:t>
+            </a:r>
+          </a:p>
+        </p:txBody>
+      </p:sp>
+      <p:sp>
+        <p:nvSpPr>
+          <p:cNvPr id="191" name="-Final Exam of ML"/>
+          <p:cNvSpPr txBox="1"/>
+          <p:nvPr/>
+        </p:nvSpPr>
+        <p:spPr>
+          <a:xfrm>
+            <a:off x="1201342" y="7223190"/>
+            <a:ext cx="21971002" cy="1905003"/>
+          </a:xfrm>
+          <a:prstGeom prst="rect">
+            <a:avLst/>
+          </a:prstGeom>
+          <a:ln w="12700">
+            <a:miter lim="400000"/>
+          </a:ln>
+        </p:spPr>
+        <p:txBody>
+          <a:bodyPr lIns="50800" tIns="50800" rIns="50800" bIns="50800">
+            <a:normAutofit fontScale="100000" lnSpcReduction="0"/>
+          </a:bodyPr>
+          <a:lstStyle/>
+          <a:p>
+            <a:pPr algn="l" defTabSz="825500">
+              <a:defRPr b="1" sz="5500">
+                <a:solidFill>
+                  <a:srgbClr val="000000"/>
+                </a:solidFill>
+              </a:defRPr>
+            </a:pPr>
           </a:p>
         </p:txBody>
       </p:sp>
@@ -4080,6 +4181,10 @@
           </p:nvPr>
         </p:nvSpPr>
         <p:spPr>
+          <a:xfrm>
+            <a:off x="1206500" y="1117600"/>
+            <a:ext cx="21971000" cy="1433164"/>
+          </a:xfrm>
           <a:prstGeom prst="rect">
             <a:avLst/>
           </a:prstGeom>
@@ -4109,7 +4214,7 @@
         </p:nvSpPr>
         <p:spPr>
           <a:xfrm>
-            <a:off x="1206500" y="2372961"/>
+            <a:off x="1206500" y="2372960"/>
             <a:ext cx="21971000" cy="934780"/>
           </a:xfrm>
           <a:prstGeom prst="rect">
@@ -4170,7 +4275,7 @@
               <a:buSzPct val="100000"/>
             </a:pPr>
             <a:r>
-              <a:t> The age of the abalone is indicated by the number of rings on the shell of it. To count the rings is quite boring and easy to run into error. It is expected to use the physical measurement which are easy to be performed to predict the age of abalone to avoid the boring coating work.</a:t>
+              <a:t> The age of the abalone is indicated by the number of rings on the shell of it. To count the rings is quite boring and easy to run into error. It is expected to use the physical measurement which are easy to be performed to predict the age of abalone to avoid the boring counting work.</a:t>
             </a:r>
           </a:p>
           <a:p>
@@ -4240,6 +4345,10 @@
           </p:nvPr>
         </p:nvSpPr>
         <p:spPr>
+          <a:xfrm>
+            <a:off x="1206500" y="1092200"/>
+            <a:ext cx="21971000" cy="1433164"/>
+          </a:xfrm>
           <a:prstGeom prst="rect">
             <a:avLst/>
           </a:prstGeom>
@@ -4269,7 +4378,7 @@
         </p:nvSpPr>
         <p:spPr>
           <a:xfrm>
-            <a:off x="1206500" y="2372961"/>
+            <a:off x="1206500" y="2372960"/>
             <a:ext cx="21971000" cy="934780"/>
           </a:xfrm>
           <a:prstGeom prst="rect">
@@ -4314,7 +4423,7 @@
           <a:p>
             <a:pPr/>
             <a:r>
-              <a:t>Report and Code: Report/Code: https://github.com/Lorby04/ML-2-Final</a:t>
+              <a:t>Report and Code: https://github.com/Lorby04/ML-2-Final</a:t>
             </a:r>
           </a:p>
         </p:txBody>
@@ -4354,6 +4463,10 @@
           </p:nvPr>
         </p:nvSpPr>
         <p:spPr>
+          <a:xfrm>
+            <a:off x="1219200" y="1155700"/>
+            <a:ext cx="21971000" cy="1433164"/>
+          </a:xfrm>
           <a:prstGeom prst="rect">
             <a:avLst/>
           </a:prstGeom>
@@ -4383,7 +4496,7 @@
         </p:nvSpPr>
         <p:spPr>
           <a:xfrm>
-            <a:off x="1206500" y="2372961"/>
+            <a:off x="1206500" y="2372960"/>
             <a:ext cx="21971000" cy="934780"/>
           </a:xfrm>
           <a:prstGeom prst="rect">
@@ -4407,6 +4520,10 @@
           </p:nvPr>
         </p:nvSpPr>
         <p:spPr>
+          <a:xfrm>
+            <a:off x="1206500" y="4299303"/>
+            <a:ext cx="21971000" cy="8256015"/>
+          </a:xfrm>
           <a:prstGeom prst="rect">
             <a:avLst/>
           </a:prstGeom>
@@ -4455,8 +4572,8 @@
         </p:blipFill>
         <p:spPr>
           <a:xfrm>
-            <a:off x="1204408" y="4228462"/>
-            <a:ext cx="21839423" cy="5864290"/>
+            <a:off x="1204407" y="4228462"/>
+            <a:ext cx="21839425" cy="5864291"/>
           </a:xfrm>
           <a:prstGeom prst="rect">
             <a:avLst/>
@@ -4501,6 +4618,10 @@
           </p:nvPr>
         </p:nvSpPr>
         <p:spPr>
+          <a:xfrm>
+            <a:off x="1206500" y="1079500"/>
+            <a:ext cx="21971000" cy="1433164"/>
+          </a:xfrm>
           <a:prstGeom prst="rect">
             <a:avLst/>
           </a:prstGeom>
@@ -4530,7 +4651,7 @@
         </p:nvSpPr>
         <p:spPr>
           <a:xfrm>
-            <a:off x="1206500" y="2372961"/>
+            <a:off x="1206500" y="2372960"/>
             <a:ext cx="21971000" cy="934780"/>
           </a:xfrm>
           <a:prstGeom prst="rect">
@@ -4588,7 +4709,7 @@
         <p:nvPicPr>
           <p:cNvPr id="171" name="Image" descr="Image"/>
           <p:cNvPicPr>
-            <a:picLocks noChangeAspect="0"/>
+            <a:picLocks noChangeAspect="1"/>
           </p:cNvPicPr>
           <p:nvPr/>
         </p:nvPicPr>
@@ -4602,8 +4723,8 @@
         </p:blipFill>
         <p:spPr>
           <a:xfrm>
-            <a:off x="1200223" y="2464642"/>
-            <a:ext cx="21983554" cy="9831597"/>
+            <a:off x="1200222" y="2464642"/>
+            <a:ext cx="21983556" cy="9831597"/>
           </a:xfrm>
           <a:prstGeom prst="rect">
             <a:avLst/>
@@ -4648,6 +4769,10 @@
           </p:nvPr>
         </p:nvSpPr>
         <p:spPr>
+          <a:xfrm>
+            <a:off x="1206500" y="1079500"/>
+            <a:ext cx="21971000" cy="1433164"/>
+          </a:xfrm>
           <a:prstGeom prst="rect">
             <a:avLst/>
           </a:prstGeom>
@@ -4677,7 +4802,7 @@
         </p:nvSpPr>
         <p:spPr>
           <a:xfrm>
-            <a:off x="1206500" y="2372961"/>
+            <a:off x="1206500" y="2372960"/>
             <a:ext cx="21971000" cy="934780"/>
           </a:xfrm>
           <a:prstGeom prst="rect">
@@ -4778,7 +4903,7 @@
         <p:nvPicPr>
           <p:cNvPr id="176" name="Image" descr="Image"/>
           <p:cNvPicPr>
-            <a:picLocks noChangeAspect="0"/>
+            <a:picLocks noChangeAspect="1"/>
           </p:cNvPicPr>
           <p:nvPr/>
         </p:nvPicPr>
@@ -4792,8 +4917,8 @@
         </p:blipFill>
         <p:spPr>
           <a:xfrm>
-            <a:off x="1172729" y="6807123"/>
-            <a:ext cx="22038542" cy="6636644"/>
+            <a:off x="1172728" y="6807123"/>
+            <a:ext cx="22038543" cy="6636645"/>
           </a:xfrm>
           <a:prstGeom prst="rect">
             <a:avLst/>
@@ -4838,6 +4963,10 @@
           </p:nvPr>
         </p:nvSpPr>
         <p:spPr>
+          <a:xfrm>
+            <a:off x="1206500" y="1079500"/>
+            <a:ext cx="21971000" cy="1433164"/>
+          </a:xfrm>
           <a:prstGeom prst="rect">
             <a:avLst/>
           </a:prstGeom>
@@ -4867,7 +4996,7 @@
         </p:nvSpPr>
         <p:spPr>
           <a:xfrm>
-            <a:off x="1206500" y="2372961"/>
+            <a:off x="1206500" y="2372960"/>
             <a:ext cx="21971000" cy="934780"/>
           </a:xfrm>
           <a:prstGeom prst="rect">
@@ -4904,7 +5033,7 @@
           <a:bodyPr/>
           <a:lstStyle/>
           <a:p>
-            <a:pPr marL="320842" indent="-320842" defTabSz="355600">
+            <a:pPr marL="320841" indent="-320841" defTabSz="355600">
               <a:lnSpc>
                 <a:spcPct val="100000"/>
               </a:lnSpc>
@@ -5003,6 +5132,10 @@
           </p:nvPr>
         </p:nvSpPr>
         <p:spPr>
+          <a:xfrm>
+            <a:off x="1206500" y="1079500"/>
+            <a:ext cx="21971000" cy="1433164"/>
+          </a:xfrm>
           <a:prstGeom prst="rect">
             <a:avLst/>
           </a:prstGeom>
@@ -5032,7 +5165,7 @@
         </p:nvSpPr>
         <p:spPr>
           <a:xfrm>
-            <a:off x="1206500" y="2372961"/>
+            <a:off x="1206500" y="2372960"/>
             <a:ext cx="21971000" cy="934780"/>
           </a:xfrm>
           <a:prstGeom prst="rect">
@@ -5107,7 +5240,7 @@
               <a:defRPr sz="3200"/>
             </a:pPr>
             <a:r>
-              <a:t>Test Result: the best score is: 0.46 with the Parameters: {'n_components': 3, 'n_init': 500, 'max_iter': 5000}</a:t>
+              <a:t>Test Result: the best score is: 0.46 with the Parameters: {'n_components': 3, 'n_init': 500, 'max_iter': 5000} with Similarity based prediction on top of PCA</a:t>
             </a:r>
           </a:p>
         </p:txBody>
@@ -5147,6 +5280,10 @@
           </p:nvPr>
         </p:nvSpPr>
         <p:spPr>
+          <a:xfrm>
+            <a:off x="1206500" y="1079500"/>
+            <a:ext cx="21971000" cy="1433164"/>
+          </a:xfrm>
           <a:prstGeom prst="rect">
             <a:avLst/>
           </a:prstGeom>
@@ -5176,7 +5313,7 @@
         </p:nvSpPr>
         <p:spPr>
           <a:xfrm>
-            <a:off x="1206500" y="2372961"/>
+            <a:off x="1206500" y="2372960"/>
             <a:ext cx="21971000" cy="934780"/>
           </a:xfrm>
           <a:prstGeom prst="rect">
@@ -5375,14 +5512,14 @@
     </a:clrScheme>
     <a:fontScheme name="33_DynamicLight">
       <a:majorFont>
+        <a:latin typeface="Helvetica Neue"/>
+        <a:ea typeface="Helvetica Neue"/>
+        <a:cs typeface="Helvetica Neue"/>
+      </a:majorFont>
+      <a:minorFont>
         <a:latin typeface="Helvetica"/>
         <a:ea typeface="Helvetica"/>
         <a:cs typeface="Helvetica"/>
-      </a:majorFont>
-      <a:minorFont>
-        <a:latin typeface="Helvetica Neue"/>
-        <a:ea typeface="Helvetica Neue"/>
-        <a:cs typeface="Helvetica Neue"/>
       </a:minorFont>
     </a:fontScheme>
     <a:fmtScheme name="33_DynamicLight">
@@ -5523,7 +5660,7 @@
     <a:spDef>
       <a:spPr>
         <a:solidFill>
-          <a:srgbClr val="005E00"/>
+          <a:srgbClr val="FFFFFF"/>
         </a:solidFill>
         <a:ln w="25400" cap="flat">
           <a:solidFill>
@@ -5563,9 +5700,9 @@
             </a:solidFill>
             <a:effectLst/>
             <a:uFillTx/>
-            <a:latin typeface="+mn-lt"/>
-            <a:ea typeface="+mn-ea"/>
-            <a:cs typeface="+mn-cs"/>
+            <a:latin typeface="+mj-lt"/>
+            <a:ea typeface="+mj-ea"/>
+            <a:cs typeface="+mj-cs"/>
             <a:sym typeface="Helvetica Neue"/>
           </a:defRPr>
         </a:defPPr>
@@ -6134,9 +6271,9 @@
             </a:solidFill>
             <a:effectLst/>
             <a:uFillTx/>
-            <a:latin typeface="+mn-lt"/>
-            <a:ea typeface="+mn-ea"/>
-            <a:cs typeface="+mn-cs"/>
+            <a:latin typeface="+mj-lt"/>
+            <a:ea typeface="+mj-ea"/>
+            <a:cs typeface="+mj-cs"/>
             <a:sym typeface="Helvetica Neue"/>
           </a:defRPr>
         </a:defPPr>
@@ -6429,14 +6566,14 @@
     </a:clrScheme>
     <a:fontScheme name="33_DynamicLight">
       <a:majorFont>
+        <a:latin typeface="Helvetica Neue"/>
+        <a:ea typeface="Helvetica Neue"/>
+        <a:cs typeface="Helvetica Neue"/>
+      </a:majorFont>
+      <a:minorFont>
         <a:latin typeface="Helvetica"/>
         <a:ea typeface="Helvetica"/>
         <a:cs typeface="Helvetica"/>
-      </a:majorFont>
-      <a:minorFont>
-        <a:latin typeface="Helvetica Neue"/>
-        <a:ea typeface="Helvetica Neue"/>
-        <a:cs typeface="Helvetica Neue"/>
       </a:minorFont>
     </a:fontScheme>
     <a:fmtScheme name="33_DynamicLight">
@@ -6577,7 +6714,7 @@
     <a:spDef>
       <a:spPr>
         <a:solidFill>
-          <a:srgbClr val="005E00"/>
+          <a:srgbClr val="FFFFFF"/>
         </a:solidFill>
         <a:ln w="25400" cap="flat">
           <a:solidFill>
@@ -6617,9 +6754,9 @@
             </a:solidFill>
             <a:effectLst/>
             <a:uFillTx/>
-            <a:latin typeface="+mn-lt"/>
-            <a:ea typeface="+mn-ea"/>
-            <a:cs typeface="+mn-cs"/>
+            <a:latin typeface="+mj-lt"/>
+            <a:ea typeface="+mj-ea"/>
+            <a:cs typeface="+mj-cs"/>
             <a:sym typeface="Helvetica Neue"/>
           </a:defRPr>
         </a:defPPr>
@@ -7188,9 +7325,9 @@
             </a:solidFill>
             <a:effectLst/>
             <a:uFillTx/>
-            <a:latin typeface="+mn-lt"/>
-            <a:ea typeface="+mn-ea"/>
-            <a:cs typeface="+mn-cs"/>
+            <a:latin typeface="+mj-lt"/>
+            <a:ea typeface="+mj-ea"/>
+            <a:cs typeface="+mj-cs"/>
             <a:sym typeface="Helvetica Neue"/>
           </a:defRPr>
         </a:defPPr>
